--- a/presentations/Niswonger/Intro_modflow_C.pptx
+++ b/presentations/Niswonger/Intro_modflow_C.pptx
@@ -1302,7 +1302,7 @@
           <a:lstStyle/>
           <a:p>
             <a:r>
-              <a:rPr lang="en-US" altLang="en-US"/>
+              <a:rPr lang="en-US" altLang="en-US" dirty="0"/>
               <a:t>Cramer’s Rule: if there exits a set of n linear equations, then the system has a unique solution if the determinate of the system is not equal to zero. We are looking for the discontinuity at the wave front (non-unique solution). Thus, the characteristics are found by setting the determinates to zero.</a:t>
             </a:r>
           </a:p>
@@ -5373,7 +5373,11 @@
               <a:defRPr/>
             </a:pPr>
             <a:r>
-              <a:rPr lang="en-US" sz="3800"/>
+              <a:rPr lang="en-US" sz="3800" dirty="0">
+                <a:solidFill>
+                  <a:schemeClr val="accent3"/>
+                </a:solidFill>
+              </a:rPr>
               <a:t>Water Table is Below Land Surface: Water Table Rises</a:t>
             </a:r>
           </a:p>
@@ -5398,7 +5402,7 @@
           <a:noFill/>
           <a:ln w="28575">
             <a:solidFill>
-              <a:schemeClr val="tx1"/>
+              <a:schemeClr val="bg1"/>
             </a:solidFill>
             <a:miter lim="800000"/>
             <a:headEnd/>
@@ -5673,7 +5677,7 @@
           <a:noFill/>
           <a:ln w="38100">
             <a:solidFill>
-              <a:schemeClr val="tx1"/>
+              <a:schemeClr val="bg1"/>
             </a:solidFill>
             <a:round/>
             <a:headEnd/>
@@ -5840,7 +5844,11 @@
           <a:p>
             <a:pPr eaLnBrk="1" hangingPunct="1"/>
             <a:r>
-              <a:rPr lang="en-US" altLang="en-US"/>
+              <a:rPr lang="en-US" altLang="en-US" dirty="0">
+                <a:solidFill>
+                  <a:schemeClr val="accent3"/>
+                </a:solidFill>
+              </a:rPr>
               <a:t>Infiltration</a:t>
             </a:r>
           </a:p>
@@ -5911,7 +5919,7 @@
         <p:spPr bwMode="auto">
           <a:xfrm>
             <a:off x="1042988" y="2492375"/>
-            <a:ext cx="1509712" cy="473075"/>
+            <a:ext cx="1546514" cy="477054"/>
           </a:xfrm>
           <a:prstGeom prst="rect">
             <a:avLst/>
@@ -6045,7 +6053,11 @@
           <a:p>
             <a:pPr eaLnBrk="1" hangingPunct="1"/>
             <a:r>
-              <a:rPr lang="en-US" altLang="en-US"/>
+              <a:rPr lang="en-US" altLang="en-US" dirty="0">
+                <a:solidFill>
+                  <a:schemeClr val="accent3"/>
+                </a:solidFill>
+              </a:rPr>
               <a:t>Increasing</a:t>
             </a:r>
           </a:p>
@@ -6070,7 +6082,7 @@
           <a:noFill/>
           <a:ln w="38100">
             <a:solidFill>
-              <a:schemeClr val="tx1"/>
+              <a:schemeClr val="bg1"/>
             </a:solidFill>
             <a:round/>
             <a:headEnd/>
@@ -6178,7 +6190,7 @@
           <a:noFill/>
           <a:ln w="38100">
             <a:solidFill>
-              <a:schemeClr val="tx1"/>
+              <a:schemeClr val="bg1"/>
             </a:solidFill>
             <a:round/>
             <a:headEnd/>
@@ -6221,7 +6233,7 @@
           <a:noFill/>
           <a:ln w="38100">
             <a:solidFill>
-              <a:schemeClr val="tx1"/>
+              <a:schemeClr val="bg1"/>
             </a:solidFill>
             <a:round/>
             <a:headEnd/>
@@ -6717,14 +6729,22 @@
           <a:p>
             <a:pPr eaLnBrk="1" hangingPunct="1"/>
             <a:r>
-              <a:rPr lang="en-US" altLang="en-US"/>
+              <a:rPr lang="en-US" altLang="en-US" dirty="0">
+                <a:solidFill>
+                  <a:schemeClr val="accent3"/>
+                </a:solidFill>
+              </a:rPr>
               <a:t>New water table </a:t>
             </a:r>
           </a:p>
           <a:p>
             <a:pPr eaLnBrk="1" hangingPunct="1"/>
             <a:r>
-              <a:rPr lang="en-US" altLang="en-US"/>
+              <a:rPr lang="en-US" altLang="en-US" dirty="0">
+                <a:solidFill>
+                  <a:schemeClr val="accent3"/>
+                </a:solidFill>
+              </a:rPr>
               <a:t>level</a:t>
             </a:r>
           </a:p>
@@ -6749,7 +6769,7 @@
           <a:noFill/>
           <a:ln w="28575">
             <a:solidFill>
-              <a:schemeClr val="tx1"/>
+              <a:schemeClr val="bg1"/>
             </a:solidFill>
             <a:round/>
             <a:headEnd/>
@@ -6844,7 +6864,7 @@
           <a:noFill/>
           <a:ln w="28575">
             <a:solidFill>
-              <a:schemeClr val="tx1"/>
+              <a:schemeClr val="bg1"/>
             </a:solidFill>
             <a:round/>
             <a:headEnd/>
@@ -7065,7 +7085,11 @@
           <a:p>
             <a:pPr eaLnBrk="1" hangingPunct="1"/>
             <a:r>
-              <a:rPr lang="en-US" altLang="en-US"/>
+              <a:rPr lang="en-US" altLang="en-US" dirty="0">
+                <a:solidFill>
+                  <a:schemeClr val="accent3"/>
+                </a:solidFill>
+              </a:rPr>
               <a:t>t</a:t>
             </a:r>
           </a:p>
@@ -7216,22 +7240,35 @@
           <a:p>
             <a:pPr eaLnBrk="1" hangingPunct="1"/>
             <a:r>
-              <a:rPr lang="en-US" altLang="en-US"/>
+              <a:rPr lang="en-US" altLang="en-US" dirty="0">
+                <a:solidFill>
+                  <a:schemeClr val="accent3"/>
+                </a:solidFill>
+              </a:rPr>
               <a:t>t+</a:t>
             </a:r>
             <a:r>
-              <a:rPr lang="el-GR" altLang="en-US">
+              <a:rPr lang="el-GR" altLang="en-US" dirty="0">
+                <a:solidFill>
+                  <a:schemeClr val="accent3"/>
+                </a:solidFill>
                 <a:cs typeface="Times New Roman" panose="02020603050405020304" pitchFamily="18" charset="0"/>
               </a:rPr>
               <a:t>Δ</a:t>
             </a:r>
             <a:r>
-              <a:rPr lang="en-US" altLang="en-US">
+              <a:rPr lang="en-US" altLang="en-US" dirty="0">
+                <a:solidFill>
+                  <a:schemeClr val="accent3"/>
+                </a:solidFill>
                 <a:cs typeface="Times New Roman" panose="02020603050405020304" pitchFamily="18" charset="0"/>
               </a:rPr>
               <a:t>t</a:t>
             </a:r>
-            <a:endParaRPr lang="el-GR" altLang="en-US">
+            <a:endParaRPr lang="el-GR" altLang="en-US" dirty="0">
+              <a:solidFill>
+                <a:schemeClr val="accent3"/>
+              </a:solidFill>
               <a:cs typeface="Times New Roman" panose="02020603050405020304" pitchFamily="18" charset="0"/>
             </a:endParaRPr>
           </a:p>
@@ -7386,6 +7423,11 @@
             <a:off x="685800" y="404813"/>
             <a:ext cx="7772400" cy="1143000"/>
           </a:xfrm>
+          <a:ln>
+            <a:solidFill>
+              <a:schemeClr val="bg1"/>
+            </a:solidFill>
+          </a:ln>
         </p:spPr>
         <p:txBody>
           <a:bodyPr>
@@ -7397,7 +7439,11 @@
               <a:defRPr/>
             </a:pPr>
             <a:r>
-              <a:rPr lang="en-US" sz="3800"/>
+              <a:rPr lang="en-US" sz="3800" dirty="0">
+                <a:solidFill>
+                  <a:schemeClr val="accent3"/>
+                </a:solidFill>
+              </a:rPr>
               <a:t>Water Table is Below Land Surface: Water Table Falls</a:t>
             </a:r>
           </a:p>
@@ -7864,7 +7910,11 @@
           <a:p>
             <a:pPr eaLnBrk="1" hangingPunct="1"/>
             <a:r>
-              <a:rPr lang="en-US" altLang="en-US"/>
+              <a:rPr lang="en-US" altLang="en-US" dirty="0">
+                <a:solidFill>
+                  <a:schemeClr val="accent3"/>
+                </a:solidFill>
+              </a:rPr>
               <a:t>Infiltration</a:t>
             </a:r>
           </a:p>
@@ -7935,7 +7985,7 @@
         <p:spPr bwMode="auto">
           <a:xfrm>
             <a:off x="1804988" y="2492375"/>
-            <a:ext cx="1509712" cy="473075"/>
+            <a:ext cx="1546514" cy="477054"/>
           </a:xfrm>
           <a:prstGeom prst="rect">
             <a:avLst/>
@@ -8069,7 +8119,11 @@
           <a:p>
             <a:pPr eaLnBrk="1" hangingPunct="1"/>
             <a:r>
-              <a:rPr lang="en-US" altLang="en-US"/>
+              <a:rPr lang="en-US" altLang="en-US" dirty="0">
+                <a:solidFill>
+                  <a:schemeClr val="accent3"/>
+                </a:solidFill>
+              </a:rPr>
               <a:t>Increasing</a:t>
             </a:r>
           </a:p>
@@ -8607,7 +8661,7 @@
         <p:spPr bwMode="auto">
           <a:xfrm>
             <a:off x="7050088" y="4329113"/>
-            <a:ext cx="2224087" cy="854075"/>
+            <a:ext cx="2279791" cy="861774"/>
           </a:xfrm>
           <a:prstGeom prst="rect">
             <a:avLst/>
@@ -8741,14 +8795,22 @@
           <a:p>
             <a:pPr eaLnBrk="1" hangingPunct="1"/>
             <a:r>
-              <a:rPr lang="en-US" altLang="en-US"/>
+              <a:rPr lang="en-US" altLang="en-US" dirty="0">
+                <a:solidFill>
+                  <a:schemeClr val="accent3"/>
+                </a:solidFill>
+              </a:rPr>
               <a:t>Old water table </a:t>
             </a:r>
           </a:p>
           <a:p>
             <a:pPr eaLnBrk="1" hangingPunct="1"/>
             <a:r>
-              <a:rPr lang="en-US" altLang="en-US"/>
+              <a:rPr lang="en-US" altLang="en-US" dirty="0">
+                <a:solidFill>
+                  <a:schemeClr val="accent3"/>
+                </a:solidFill>
+              </a:rPr>
               <a:t>level</a:t>
             </a:r>
           </a:p>
@@ -9311,28 +9373,44 @@
           <a:p>
             <a:pPr eaLnBrk="1" hangingPunct="1"/>
             <a:r>
-              <a:rPr lang="en-US" altLang="en-US"/>
+              <a:rPr lang="en-US" altLang="en-US" dirty="0">
+                <a:solidFill>
+                  <a:schemeClr val="accent3"/>
+                </a:solidFill>
+              </a:rPr>
               <a:t>Water table</a:t>
             </a:r>
           </a:p>
           <a:p>
             <a:pPr eaLnBrk="1" hangingPunct="1"/>
             <a:r>
-              <a:rPr lang="en-US" altLang="en-US"/>
+              <a:rPr lang="en-US" altLang="en-US" dirty="0">
+                <a:solidFill>
+                  <a:schemeClr val="accent3"/>
+                </a:solidFill>
+              </a:rPr>
               <a:t>falls faster</a:t>
             </a:r>
           </a:p>
           <a:p>
             <a:pPr eaLnBrk="1" hangingPunct="1"/>
             <a:r>
-              <a:rPr lang="en-US" altLang="en-US"/>
+              <a:rPr lang="en-US" altLang="en-US" dirty="0">
+                <a:solidFill>
+                  <a:schemeClr val="accent3"/>
+                </a:solidFill>
+              </a:rPr>
               <a:t>than wetting</a:t>
             </a:r>
           </a:p>
           <a:p>
             <a:pPr eaLnBrk="1" hangingPunct="1"/>
             <a:r>
-              <a:rPr lang="en-US" altLang="en-US"/>
+              <a:rPr lang="en-US" altLang="en-US" dirty="0">
+                <a:solidFill>
+                  <a:schemeClr val="accent3"/>
+                </a:solidFill>
+              </a:rPr>
               <a:t>front</a:t>
             </a:r>
           </a:p>
@@ -13381,23 +13459,12 @@
             <a:avLst/>
           </a:prstGeom>
           <a:solidFill>
-            <a:schemeClr val="tx1"/>
+            <a:schemeClr val="bg1"/>
           </a:solidFill>
           <a:ln>
             <a:noFill/>
           </a:ln>
-          <a:extLst>
-            <a:ext uri="{91240B29-F687-4F45-9708-019B960494DF}">
-              <a14:hiddenLine xmlns:a14="http://schemas.microsoft.com/office/drawing/2010/main" w="9525">
-                <a:solidFill>
-                  <a:srgbClr val="000000"/>
-                </a:solidFill>
-                <a:miter lim="800000"/>
-                <a:headEnd/>
-                <a:tailEnd/>
-              </a14:hiddenLine>
-            </a:ext>
-          </a:extLst>
+          <a:extLst/>
         </p:spPr>
         <p:txBody>
           <a:bodyPr wrap="none" anchor="ctr"/>
@@ -13522,7 +13589,7 @@
             <a:avLst/>
           </a:prstGeom>
           <a:solidFill>
-            <a:schemeClr val="tx1"/>
+            <a:schemeClr val="bg1"/>
           </a:solidFill>
           <a:ln w="9525">
             <a:solidFill>
@@ -13656,7 +13723,7 @@
             <a:avLst/>
           </a:prstGeom>
           <a:solidFill>
-            <a:schemeClr val="tx1"/>
+            <a:schemeClr val="bg1"/>
           </a:solidFill>
           <a:ln w="9525">
             <a:solidFill>
@@ -13799,7 +13866,11 @@
               <a:defRPr/>
             </a:pPr>
             <a:r>
-              <a:rPr lang="en-US" sz="4000"/>
+              <a:rPr lang="en-US" sz="4000" dirty="0">
+                <a:solidFill>
+                  <a:schemeClr val="accent3"/>
+                </a:solidFill>
+              </a:rPr>
               <a:t>Unsaturated Flow Beneath Soil Zone— Kinematic-Wave Equation</a:t>
             </a:r>
           </a:p>
@@ -13830,8 +13901,12 @@
               <a:buNone/>
             </a:pPr>
             <a:r>
-              <a:rPr lang="en-US" altLang="en-US" sz="2800" dirty="0"/>
-              <a:t>Kinematic wave simplification of Richards’ Equation:</a:t>
+              <a:rPr lang="en-US" altLang="en-US" sz="2800" dirty="0">
+                <a:solidFill>
+                  <a:schemeClr val="accent3"/>
+                </a:solidFill>
+              </a:rPr>
+              <a:t>Kinematic wave simplification to Richards’ Equation:</a:t>
             </a:r>
           </a:p>
         </p:txBody>
@@ -14150,7 +14225,7 @@
           <a:graphicData uri="http://schemas.openxmlformats.org/presentationml/2006/ole">
             <mc:AlternateContent xmlns:mc="http://schemas.openxmlformats.org/markup-compatibility/2006">
               <mc:Choice xmlns:v="urn:schemas-microsoft-com:vml" Requires="v">
-                <p:oleObj spid="_x0000_s46097" name="Equation" r:id="rId4" imgW="1282700" imgH="393700" progId="Equation.3">
+                <p:oleObj spid="_x0000_s46115" name="Equation" r:id="rId4" imgW="1282700" imgH="393700" progId="Equation.3">
                   <p:embed/>
                 </p:oleObj>
               </mc:Choice>
@@ -14381,7 +14456,7 @@
           <a:graphicData uri="http://schemas.openxmlformats.org/presentationml/2006/ole">
             <mc:AlternateContent xmlns:mc="http://schemas.openxmlformats.org/markup-compatibility/2006">
               <mc:Choice xmlns:v="urn:schemas-microsoft-com:vml" Requires="v">
-                <p:oleObj spid="_x0000_s46098" name="Equation" r:id="rId6" imgW="1231366" imgH="393529" progId="Equation.3">
+                <p:oleObj spid="_x0000_s46116" name="Equation" r:id="rId6" imgW="1231366" imgH="393529" progId="Equation.3">
                   <p:embed/>
                 </p:oleObj>
               </mc:Choice>
@@ -14602,7 +14677,13 @@
           <p:cNvGraphicFramePr>
             <a:graphicFrameLocks noChangeAspect="1"/>
           </p:cNvGraphicFramePr>
-          <p:nvPr/>
+          <p:nvPr>
+            <p:extLst>
+              <p:ext uri="{D42A27DB-BD31-4B8C-83A1-F6EECF244321}">
+                <p14:modId xmlns:p14="http://schemas.microsoft.com/office/powerpoint/2010/main" val="1129245076"/>
+              </p:ext>
+            </p:extLst>
+          </p:nvPr>
         </p:nvGraphicFramePr>
         <p:xfrm>
           <a:off x="2916238" y="5519738"/>
@@ -14612,7 +14693,7 @@
           <a:graphicData uri="http://schemas.openxmlformats.org/presentationml/2006/ole">
             <mc:AlternateContent xmlns:mc="http://schemas.openxmlformats.org/markup-compatibility/2006">
               <mc:Choice xmlns:v="urn:schemas-microsoft-com:vml" Requires="v">
-                <p:oleObj spid="_x0000_s46099" name="Equation" r:id="rId8" imgW="1651000" imgH="787400" progId="Equation.3">
+                <p:oleObj spid="_x0000_s46117" name="Equation" r:id="rId8" imgW="1651000" imgH="787400" progId="Equation.3">
                   <p:embed/>
                 </p:oleObj>
               </mc:Choice>
@@ -14648,29 +14729,13 @@
                       <a:prstGeom prst="rect">
                         <a:avLst/>
                       </a:prstGeom>
-                      <a:noFill/>
+                      <a:solidFill>
+                        <a:schemeClr val="bg1"/>
+                      </a:solidFill>
                       <a:ln>
                         <a:noFill/>
                       </a:ln>
-                      <a:extLst>
-                        <a:ext uri="{909E8E84-426E-40DD-AFC4-6F175D3DCCD1}">
-                          <a14:hiddenFill xmlns:a14="http://schemas.microsoft.com/office/drawing/2010/main">
-                            <a:solidFill>
-                              <a:srgbClr val="FFFFFF"/>
-                            </a:solidFill>
-                          </a14:hiddenFill>
-                        </a:ext>
-                        <a:ext uri="{91240B29-F687-4F45-9708-019B960494DF}">
-                          <a14:hiddenLine xmlns:a14="http://schemas.microsoft.com/office/drawing/2010/main" w="9525">
-                            <a:solidFill>
-                              <a:srgbClr val="000000"/>
-                            </a:solidFill>
-                            <a:miter lim="800000"/>
-                            <a:headEnd/>
-                            <a:tailEnd/>
-                          </a14:hiddenLine>
-                        </a:ext>
-                      </a:extLst>
+                      <a:extLst/>
                     </p:spPr>
                   </p:pic>
                 </p:oleObj>
@@ -15276,18 +15341,29 @@
               <a:buNone/>
             </a:pPr>
             <a:r>
-              <a:rPr lang="en-US" altLang="en-US" sz="2800" i="0" dirty="0"/>
+              <a:rPr lang="en-US" altLang="en-US" sz="2800" i="0" dirty="0">
+                <a:solidFill>
+                  <a:schemeClr val="accent3"/>
+                </a:solidFill>
+              </a:rPr>
               <a:t>Equation of variation for </a:t>
             </a:r>
             <a:r>
               <a:rPr lang="el-GR" altLang="en-US" sz="2800" i="0" dirty="0">
+                <a:solidFill>
+                  <a:schemeClr val="accent3"/>
+                </a:solidFill>
                 <a:latin typeface="Arial" panose="020B0604020202020204" pitchFamily="34" charset="0"/>
                 <a:cs typeface="Arial" panose="020B0604020202020204" pitchFamily="34" charset="0"/>
               </a:rPr>
               <a:t>θ</a:t>
             </a:r>
             <a:r>
-              <a:rPr lang="en-US" altLang="en-US" sz="2800" i="0" dirty="0"/>
+              <a:rPr lang="en-US" altLang="en-US" sz="2800" i="0" dirty="0">
+                <a:solidFill>
+                  <a:schemeClr val="accent3"/>
+                </a:solidFill>
+              </a:rPr>
               <a:t>:</a:t>
             </a:r>
           </a:p>
@@ -15594,7 +15670,11 @@
               <a:buNone/>
             </a:pPr>
             <a:r>
-              <a:rPr lang="en-US" altLang="en-US" sz="2800" i="0" dirty="0"/>
+              <a:rPr lang="en-US" altLang="en-US" sz="2800" i="0" dirty="0">
+                <a:solidFill>
+                  <a:schemeClr val="accent3"/>
+                </a:solidFill>
+              </a:rPr>
               <a:t>Matrix form:</a:t>
             </a:r>
           </a:p>
@@ -15808,7 +15888,7 @@
             <a:avLst/>
           </a:prstGeom>
           <a:solidFill>
-            <a:schemeClr val="tx1"/>
+            <a:schemeClr val="bg1"/>
           </a:solidFill>
           <a:ln w="9525">
             <a:solidFill>
@@ -15942,7 +16022,7 @@
             <a:avLst/>
           </a:prstGeom>
           <a:solidFill>
-            <a:schemeClr val="tx1"/>
+            <a:schemeClr val="bg1"/>
           </a:solidFill>
           <a:ln w="9525">
             <a:solidFill>
@@ -16076,7 +16156,7 @@
             <a:avLst/>
           </a:prstGeom>
           <a:solidFill>
-            <a:schemeClr val="tx1"/>
+            <a:schemeClr val="bg1"/>
           </a:solidFill>
           <a:ln w="9525">
             <a:solidFill>
@@ -16189,7 +16269,7 @@
           </a:lstStyle>
           <a:p>
             <a:pPr eaLnBrk="1" hangingPunct="1"/>
-            <a:endParaRPr lang="en-US" altLang="en-US"/>
+            <a:endParaRPr lang="en-US" altLang="en-US" dirty="0"/>
           </a:p>
         </p:txBody>
       </p:sp>
@@ -16210,7 +16290,7 @@
             <a:avLst/>
           </a:prstGeom>
           <a:solidFill>
-            <a:schemeClr val="tx1"/>
+            <a:schemeClr val="bg1"/>
           </a:solidFill>
           <a:ln w="9525">
             <a:solidFill>
@@ -16344,7 +16424,7 @@
             <a:avLst/>
           </a:prstGeom>
           <a:solidFill>
-            <a:schemeClr val="tx1"/>
+            <a:schemeClr val="bg1"/>
           </a:solidFill>
           <a:ln w="9525">
             <a:solidFill>
@@ -16478,7 +16558,7 @@
             <a:avLst/>
           </a:prstGeom>
           <a:solidFill>
-            <a:schemeClr val="tx1"/>
+            <a:schemeClr val="bg1"/>
           </a:solidFill>
           <a:ln w="9525">
             <a:solidFill>
@@ -16621,7 +16701,11 @@
               <a:defRPr/>
             </a:pPr>
             <a:r>
-              <a:rPr lang="en-US" sz="4000" dirty="0"/>
+              <a:rPr lang="en-US" sz="4000" dirty="0">
+                <a:solidFill>
+                  <a:schemeClr val="accent3"/>
+                </a:solidFill>
+              </a:rPr>
               <a:t>Method of Characteristics Solution</a:t>
             </a:r>
           </a:p>
@@ -16650,8 +16734,8 @@
         </p:blipFill>
         <p:spPr bwMode="auto">
           <a:xfrm>
-            <a:off x="3657600" y="2133600"/>
-            <a:ext cx="2209800" cy="725488"/>
+            <a:off x="3822700" y="2133600"/>
+            <a:ext cx="2044700" cy="725488"/>
           </a:xfrm>
           <a:prstGeom prst="rect">
             <a:avLst/>
@@ -16993,7 +17077,7 @@
           <a:graphicData uri="http://schemas.openxmlformats.org/presentationml/2006/ole">
             <mc:AlternateContent xmlns:mc="http://schemas.openxmlformats.org/markup-compatibility/2006">
               <mc:Choice xmlns:v="urn:schemas-microsoft-com:vml" Requires="v">
-                <p:oleObj spid="_x0000_s47131" name="Equation" r:id="rId5" imgW="1002865" imgH="609336" progId="Equation.3">
+                <p:oleObj spid="_x0000_s47161" name="Equation" r:id="rId5" imgW="1002865" imgH="609336" progId="Equation.3">
                   <p:embed/>
                 </p:oleObj>
               </mc:Choice>
@@ -17076,7 +17160,7 @@
           <a:graphicData uri="http://schemas.openxmlformats.org/presentationml/2006/ole">
             <mc:AlternateContent xmlns:mc="http://schemas.openxmlformats.org/markup-compatibility/2006">
               <mc:Choice xmlns:v="urn:schemas-microsoft-com:vml" Requires="v">
-                <p:oleObj spid="_x0000_s47132" name="Equation" r:id="rId7" imgW="762000" imgH="457200" progId="Equation.3">
+                <p:oleObj spid="_x0000_s47162" name="Equation" r:id="rId7" imgW="762000" imgH="457200" progId="Equation.3">
                   <p:embed/>
                 </p:oleObj>
               </mc:Choice>
@@ -17159,7 +17243,7 @@
           <a:graphicData uri="http://schemas.openxmlformats.org/presentationml/2006/ole">
             <mc:AlternateContent xmlns:mc="http://schemas.openxmlformats.org/markup-compatibility/2006">
               <mc:Choice xmlns:v="urn:schemas-microsoft-com:vml" Requires="v">
-                <p:oleObj spid="_x0000_s47133" name="Equation" r:id="rId9" imgW="1040948" imgH="609336" progId="Equation.3">
+                <p:oleObj spid="_x0000_s47163" name="Equation" r:id="rId9" imgW="1040948" imgH="609336" progId="Equation.3">
                   <p:embed/>
                 </p:oleObj>
               </mc:Choice>
@@ -17390,7 +17474,7 @@
           <a:graphicData uri="http://schemas.openxmlformats.org/presentationml/2006/ole">
             <mc:AlternateContent xmlns:mc="http://schemas.openxmlformats.org/markup-compatibility/2006">
               <mc:Choice xmlns:v="urn:schemas-microsoft-com:vml" Requires="v">
-                <p:oleObj spid="_x0000_s47134" name="Equation" r:id="rId11" imgW="545863" imgH="393529" progId="Equation.3">
+                <p:oleObj spid="_x0000_s47164" name="Equation" r:id="rId11" imgW="545863" imgH="393529" progId="Equation.3">
                   <p:embed/>
                 </p:oleObj>
               </mc:Choice>
@@ -17769,7 +17853,7 @@
           <a:graphicData uri="http://schemas.openxmlformats.org/presentationml/2006/ole">
             <mc:AlternateContent xmlns:mc="http://schemas.openxmlformats.org/markup-compatibility/2006">
               <mc:Choice xmlns:v="urn:schemas-microsoft-com:vml" Requires="v">
-                <p:oleObj spid="_x0000_s47135" name="Equation" r:id="rId13" imgW="1079500" imgH="419100" progId="Equation.3">
+                <p:oleObj spid="_x0000_s47165" name="Equation" r:id="rId13" imgW="1079500" imgH="419100" progId="Equation.3">
                   <p:embed/>
                 </p:oleObj>
               </mc:Choice>
@@ -17855,7 +17939,7 @@
           <a:noFill/>
           <a:ln w="28575">
             <a:solidFill>
-              <a:schemeClr val="tx1"/>
+              <a:schemeClr val="bg1"/>
             </a:solidFill>
             <a:round/>
             <a:headEnd/>
@@ -17896,7 +17980,7 @@
           <a:noFill/>
           <a:ln w="28575">
             <a:solidFill>
-              <a:schemeClr val="tx1"/>
+              <a:schemeClr val="bg1"/>
             </a:solidFill>
             <a:round/>
             <a:headEnd/>
@@ -17937,7 +18021,7 @@
           <a:noFill/>
           <a:ln w="28575">
             <a:solidFill>
-              <a:schemeClr val="tx1"/>
+              <a:schemeClr val="bg1"/>
             </a:solidFill>
             <a:round/>
             <a:headEnd/>
@@ -18104,7 +18188,11 @@
           <a:p>
             <a:pPr eaLnBrk="1" hangingPunct="1"/>
             <a:r>
-              <a:rPr lang="en-US" altLang="en-US" sz="2300" dirty="0"/>
+              <a:rPr lang="en-US" altLang="en-US" sz="2300" dirty="0">
+                <a:solidFill>
+                  <a:schemeClr val="accent3"/>
+                </a:solidFill>
+              </a:rPr>
               <a:t>Wave-velocity characteristic</a:t>
             </a:r>
           </a:p>
@@ -18255,7 +18343,11 @@
           <a:p>
             <a:pPr eaLnBrk="1" hangingPunct="1"/>
             <a:r>
-              <a:rPr lang="en-US" altLang="en-US" sz="2300" dirty="0"/>
+              <a:rPr lang="en-US" altLang="en-US" sz="2300" dirty="0">
+                <a:solidFill>
+                  <a:schemeClr val="accent3"/>
+                </a:solidFill>
+              </a:rPr>
               <a:t>Theta-loss characteristic (ET)</a:t>
             </a:r>
           </a:p>
@@ -18554,7 +18646,11 @@
           <a:p>
             <a:pPr eaLnBrk="1" hangingPunct="1"/>
             <a:r>
-              <a:rPr lang="en-US" altLang="en-US" sz="2300" dirty="0"/>
+              <a:rPr lang="en-US" altLang="en-US" sz="2300" dirty="0">
+                <a:solidFill>
+                  <a:schemeClr val="accent3"/>
+                </a:solidFill>
+              </a:rPr>
               <a:t>Wave-profile characteristic</a:t>
             </a:r>
           </a:p>
@@ -18705,173 +18801,16 @@
           <a:p>
             <a:pPr algn="l" eaLnBrk="1" hangingPunct="1"/>
             <a:r>
-              <a:rPr lang="en-US" altLang="en-US" sz="2800" i="0" dirty="0"/>
+              <a:rPr lang="en-US" altLang="en-US" sz="2800" i="0" dirty="0">
+                <a:solidFill>
+                  <a:schemeClr val="accent3"/>
+                </a:solidFill>
+              </a:rPr>
               <a:t>Cramer’s rule</a:t>
             </a:r>
           </a:p>
         </p:txBody>
       </p:sp>
-      <p:grpSp>
-        <p:nvGrpSpPr>
-          <p:cNvPr id="31773" name="Group 29"/>
-          <p:cNvGrpSpPr>
-            <a:grpSpLocks noChangeAspect="1"/>
-          </p:cNvGrpSpPr>
-          <p:nvPr/>
-        </p:nvGrpSpPr>
-        <p:grpSpPr bwMode="auto">
-          <a:xfrm>
-            <a:off x="8001000" y="6400800"/>
-            <a:ext cx="1004888" cy="320675"/>
-            <a:chOff x="3888" y="3667"/>
-            <a:chExt cx="1782" cy="569"/>
-          </a:xfrm>
-        </p:grpSpPr>
-        <p:pic>
-          <p:nvPicPr>
-            <p:cNvPr id="31774" name="Picture 30" descr="USGSwave"/>
-            <p:cNvPicPr>
-              <a:picLocks noChangeAspect="1" noChangeArrowheads="1"/>
-            </p:cNvPicPr>
-            <p:nvPr/>
-          </p:nvPicPr>
-          <p:blipFill>
-            <a:blip r:embed="rId15" cstate="print">
-              <a:extLst>
-                <a:ext uri="{28A0092B-C50C-407E-A947-70E740481C1C}">
-                  <a14:useLocalDpi xmlns:a14="http://schemas.microsoft.com/office/drawing/2010/main" val="0"/>
-                </a:ext>
-              </a:extLst>
-            </a:blip>
-            <a:srcRect/>
-            <a:stretch>
-              <a:fillRect/>
-            </a:stretch>
-          </p:blipFill>
-          <p:spPr bwMode="auto">
-            <a:xfrm>
-              <a:off x="3888" y="3696"/>
-              <a:ext cx="400" cy="363"/>
-            </a:xfrm>
-            <a:prstGeom prst="rect">
-              <a:avLst/>
-            </a:prstGeom>
-            <a:solidFill>
-              <a:schemeClr val="tx1"/>
-            </a:solidFill>
-            <a:ln w="9525">
-              <a:solidFill>
-                <a:schemeClr val="folHlink"/>
-              </a:solidFill>
-              <a:miter lim="800000"/>
-              <a:headEnd/>
-              <a:tailEnd/>
-            </a:ln>
-          </p:spPr>
-        </p:pic>
-        <p:sp>
-          <p:nvSpPr>
-            <p:cNvPr id="31775" name="WordArt 31"/>
-            <p:cNvSpPr>
-              <a:spLocks noChangeAspect="1" noChangeArrowheads="1" noChangeShapeType="1" noTextEdit="1"/>
-            </p:cNvSpPr>
-            <p:nvPr/>
-          </p:nvSpPr>
-          <p:spPr bwMode="auto">
-            <a:xfrm>
-              <a:off x="4346" y="3667"/>
-              <a:ext cx="1324" cy="392"/>
-            </a:xfrm>
-            <a:prstGeom prst="rect">
-              <a:avLst/>
-            </a:prstGeom>
-            <a:extLst>
-              <a:ext uri="{91240B29-F687-4F45-9708-019B960494DF}">
-                <a14:hiddenLine xmlns:a14="http://schemas.microsoft.com/office/drawing/2010/main" w="9525">
-                  <a:solidFill>
-                    <a:srgbClr val="000000"/>
-                  </a:solidFill>
-                  <a:round/>
-                  <a:headEnd/>
-                  <a:tailEnd/>
-                </a14:hiddenLine>
-              </a:ext>
-            </a:extLst>
-          </p:spPr>
-          <p:txBody>
-            <a:bodyPr wrap="none" fromWordArt="1">
-              <a:prstTxWarp prst="textPlain">
-                <a:avLst>
-                  <a:gd name="adj" fmla="val 50000"/>
-                </a:avLst>
-              </a:prstTxWarp>
-            </a:bodyPr>
-            <a:lstStyle/>
-            <a:p>
-              <a:r>
-                <a:rPr lang="en-US" sz="3600" kern="10">
-                  <a:solidFill>
-                    <a:srgbClr val="F8F8F8"/>
-                  </a:solidFill>
-                  <a:latin typeface="Arial Black" panose="020B0A04020102020204" pitchFamily="34" charset="0"/>
-                </a:rPr>
-                <a:t>USGS</a:t>
-              </a:r>
-            </a:p>
-          </p:txBody>
-        </p:sp>
-        <p:sp>
-          <p:nvSpPr>
-            <p:cNvPr id="31776" name="WordArt 32"/>
-            <p:cNvSpPr>
-              <a:spLocks noChangeAspect="1" noChangeArrowheads="1" noChangeShapeType="1" noTextEdit="1"/>
-            </p:cNvSpPr>
-            <p:nvPr/>
-          </p:nvSpPr>
-          <p:spPr bwMode="auto">
-            <a:xfrm>
-              <a:off x="3915" y="4095"/>
-              <a:ext cx="1753" cy="141"/>
-            </a:xfrm>
-            <a:prstGeom prst="rect">
-              <a:avLst/>
-            </a:prstGeom>
-            <a:extLst>
-              <a:ext uri="{91240B29-F687-4F45-9708-019B960494DF}">
-                <a14:hiddenLine xmlns:a14="http://schemas.microsoft.com/office/drawing/2010/main" w="9525">
-                  <a:solidFill>
-                    <a:srgbClr val="000000"/>
-                  </a:solidFill>
-                  <a:round/>
-                  <a:headEnd/>
-                  <a:tailEnd/>
-                </a14:hiddenLine>
-              </a:ext>
-            </a:extLst>
-          </p:spPr>
-          <p:txBody>
-            <a:bodyPr wrap="none" fromWordArt="1">
-              <a:prstTxWarp prst="textPlain">
-                <a:avLst>
-                  <a:gd name="adj" fmla="val 50000"/>
-                </a:avLst>
-              </a:prstTxWarp>
-            </a:bodyPr>
-            <a:lstStyle/>
-            <a:p>
-              <a:r>
-                <a:rPr lang="en-US" sz="3600" kern="10">
-                  <a:solidFill>
-                    <a:srgbClr val="F8F8F8"/>
-                  </a:solidFill>
-                  <a:latin typeface="Arial Black" panose="020B0A04020102020204" pitchFamily="34" charset="0"/>
-                </a:rPr>
-                <a:t>science for a changing world</a:t>
-              </a:r>
-            </a:p>
-          </p:txBody>
-        </p:sp>
-      </p:grpSp>
     </p:spTree>
     <p:extLst>
       <p:ext uri="{BB962C8B-B14F-4D97-AF65-F5344CB8AC3E}">

--- a/presentations/Niswonger/Intro_modflow_C.pptx
+++ b/presentations/Niswonger/Intro_modflow_C.pptx
@@ -523,7 +523,7 @@
               <a:pPr>
                 <a:defRPr/>
               </a:pPr>
-              <a:t>11/21/2018</a:t>
+              <a:t>11/23/2018</a:t>
             </a:fld>
             <a:endParaRPr lang="en-US"/>
           </a:p>
@@ -7424,9 +7424,7 @@
             <a:ext cx="7772400" cy="1143000"/>
           </a:xfrm>
           <a:ln>
-            <a:solidFill>
-              <a:schemeClr val="bg1"/>
-            </a:solidFill>
+            <a:noFill/>
           </a:ln>
         </p:spPr>
         <p:txBody>
@@ -7468,7 +7466,7 @@
           <a:noFill/>
           <a:ln w="28575">
             <a:solidFill>
-              <a:schemeClr val="tx1"/>
+              <a:schemeClr val="bg1"/>
             </a:solidFill>
             <a:miter lim="800000"/>
             <a:headEnd/>
@@ -7743,7 +7741,7 @@
           <a:noFill/>
           <a:ln w="38100">
             <a:solidFill>
-              <a:schemeClr val="tx1"/>
+              <a:schemeClr val="bg1"/>
             </a:solidFill>
             <a:round/>
             <a:headEnd/>
@@ -8148,7 +8146,7 @@
           <a:noFill/>
           <a:ln w="38100">
             <a:solidFill>
-              <a:schemeClr val="tx1"/>
+              <a:schemeClr val="bg1"/>
             </a:solidFill>
             <a:round/>
             <a:headEnd/>
@@ -8256,7 +8254,7 @@
           <a:noFill/>
           <a:ln w="38100">
             <a:solidFill>
-              <a:schemeClr val="tx1"/>
+              <a:schemeClr val="bg1"/>
             </a:solidFill>
             <a:round/>
             <a:headEnd/>
@@ -8299,7 +8297,7 @@
           <a:noFill/>
           <a:ln w="38100">
             <a:solidFill>
-              <a:schemeClr val="tx1"/>
+              <a:schemeClr val="bg1"/>
             </a:solidFill>
             <a:round/>
             <a:headEnd/>
@@ -8835,7 +8833,7 @@
           <a:noFill/>
           <a:ln w="28575">
             <a:solidFill>
-              <a:schemeClr val="tx1"/>
+              <a:schemeClr val="bg1"/>
             </a:solidFill>
             <a:round/>
             <a:headEnd/>
@@ -9056,7 +9054,11 @@
           <a:p>
             <a:pPr eaLnBrk="1" hangingPunct="1"/>
             <a:r>
-              <a:rPr lang="en-US" altLang="en-US"/>
+              <a:rPr lang="en-US" altLang="en-US" dirty="0">
+                <a:solidFill>
+                  <a:schemeClr val="bg1"/>
+                </a:solidFill>
+              </a:rPr>
               <a:t>t</a:t>
             </a:r>
           </a:p>
@@ -9207,22 +9209,35 @@
           <a:p>
             <a:pPr eaLnBrk="1" hangingPunct="1"/>
             <a:r>
-              <a:rPr lang="en-US" altLang="en-US"/>
+              <a:rPr lang="en-US" altLang="en-US" dirty="0">
+                <a:solidFill>
+                  <a:schemeClr val="bg1"/>
+                </a:solidFill>
+              </a:rPr>
               <a:t>t+</a:t>
             </a:r>
             <a:r>
-              <a:rPr lang="el-GR" altLang="en-US">
+              <a:rPr lang="el-GR" altLang="en-US" dirty="0">
+                <a:solidFill>
+                  <a:schemeClr val="bg1"/>
+                </a:solidFill>
                 <a:cs typeface="Times New Roman" panose="02020603050405020304" pitchFamily="18" charset="0"/>
               </a:rPr>
               <a:t>Δ</a:t>
             </a:r>
             <a:r>
-              <a:rPr lang="en-US" altLang="en-US">
+              <a:rPr lang="en-US" altLang="en-US" dirty="0">
+                <a:solidFill>
+                  <a:schemeClr val="bg1"/>
+                </a:solidFill>
                 <a:cs typeface="Times New Roman" panose="02020603050405020304" pitchFamily="18" charset="0"/>
               </a:rPr>
               <a:t>t</a:t>
             </a:r>
-            <a:endParaRPr lang="el-GR" altLang="en-US">
+            <a:endParaRPr lang="el-GR" altLang="en-US" dirty="0">
+              <a:solidFill>
+                <a:schemeClr val="bg1"/>
+              </a:solidFill>
               <a:cs typeface="Times New Roman" panose="02020603050405020304" pitchFamily="18" charset="0"/>
             </a:endParaRPr>
           </a:p>
@@ -9435,7 +9450,7 @@
           <a:noFill/>
           <a:ln w="15875">
             <a:solidFill>
-              <a:schemeClr val="tx2"/>
+              <a:schemeClr val="bg1"/>
             </a:solidFill>
             <a:round/>
             <a:headEnd/>
@@ -9476,7 +9491,7 @@
           <a:noFill/>
           <a:ln w="15875">
             <a:solidFill>
-              <a:schemeClr val="tx2"/>
+              <a:schemeClr val="bg1"/>
             </a:solidFill>
             <a:round/>
             <a:headEnd/>
@@ -9549,29 +9564,13 @@
               <a:defRPr/>
             </a:pPr>
             <a:r>
-              <a:rPr lang="en-US" sz="4000"/>
+              <a:rPr lang="en-US" sz="4000" dirty="0">
+                <a:solidFill>
+                  <a:schemeClr val="bg1"/>
+                </a:solidFill>
+              </a:rPr>
               <a:t>UZF1 Compared to Observed Field Data and Richard’s Equation</a:t>
             </a:r>
-          </a:p>
-        </p:txBody>
-      </p:sp>
-      <p:sp>
-        <p:nvSpPr>
-          <p:cNvPr id="35843" name="Rectangle 3"/>
-          <p:cNvSpPr>
-            <a:spLocks noGrp="1" noChangeArrowheads="1"/>
-          </p:cNvSpPr>
-          <p:nvPr>
-            <p:ph type="body" idx="1"/>
-          </p:nvPr>
-        </p:nvSpPr>
-        <p:spPr/>
-        <p:txBody>
-          <a:bodyPr/>
-          <a:lstStyle/>
-          <a:p>
-            <a:pPr eaLnBrk="1" hangingPunct="1"/>
-            <a:endParaRPr lang="en-US" altLang="en-US"/>
           </a:p>
         </p:txBody>
       </p:sp>
@@ -9832,8 +9831,28 @@
               <a:defRPr/>
             </a:pPr>
             <a:r>
-              <a:rPr lang="en-US" sz="4000"/>
-              <a:t>Comparison to Vauclin et al. (1979) Laboratory Experiment</a:t>
+              <a:rPr lang="en-US" sz="4000" dirty="0">
+                <a:solidFill>
+                  <a:schemeClr val="bg1"/>
+                </a:solidFill>
+              </a:rPr>
+              <a:t>Comparison to </a:t>
+            </a:r>
+            <a:r>
+              <a:rPr lang="en-US" sz="4000" dirty="0" err="1">
+                <a:solidFill>
+                  <a:schemeClr val="bg1"/>
+                </a:solidFill>
+              </a:rPr>
+              <a:t>Vauclin</a:t>
+            </a:r>
+            <a:r>
+              <a:rPr lang="en-US" sz="4000" dirty="0">
+                <a:solidFill>
+                  <a:schemeClr val="bg1"/>
+                </a:solidFill>
+              </a:rPr>
+              <a:t> et al. (1979) Laboratory Experiment</a:t>
             </a:r>
           </a:p>
         </p:txBody>
@@ -9957,7 +9976,7 @@
         <p:spPr bwMode="auto">
           <a:xfrm>
             <a:off x="727075" y="2038350"/>
-            <a:ext cx="4251325" cy="519113"/>
+            <a:ext cx="3846566" cy="477054"/>
           </a:xfrm>
           <a:prstGeom prst="rect">
             <a:avLst/>
@@ -10091,7 +10110,11 @@
           <a:p>
             <a:pPr eaLnBrk="1" hangingPunct="1"/>
             <a:r>
-              <a:rPr lang="en-US" altLang="en-US"/>
+              <a:rPr lang="en-US" altLang="en-US" dirty="0">
+                <a:solidFill>
+                  <a:schemeClr val="bg1"/>
+                </a:solidFill>
+              </a:rPr>
               <a:t>Richards’ equation (Hydrus)</a:t>
             </a:r>
           </a:p>
@@ -10259,7 +10282,7 @@
         <p:spPr bwMode="auto">
           <a:xfrm>
             <a:off x="1031875" y="5876925"/>
-            <a:ext cx="7750175" cy="517525"/>
+            <a:ext cx="7750175" cy="523220"/>
           </a:xfrm>
           <a:prstGeom prst="rect">
             <a:avLst/>
@@ -10393,23 +10416,87 @@
           <a:p>
             <a:pPr eaLnBrk="1" hangingPunct="1"/>
             <a:r>
-              <a:rPr lang="en-US" altLang="en-US" sz="1400"/>
-              <a:t>From Twarakavi et al. (2008) 7 (2) Vadose Zone Journal</a:t>
+              <a:rPr lang="en-US" altLang="en-US" sz="1400" dirty="0">
+                <a:solidFill>
+                  <a:schemeClr val="bg1"/>
+                </a:solidFill>
+              </a:rPr>
+              <a:t>From </a:t>
+            </a:r>
+            <a:r>
+              <a:rPr lang="en-US" altLang="en-US" sz="1400" dirty="0" err="1">
+                <a:solidFill>
+                  <a:schemeClr val="bg1"/>
+                </a:solidFill>
+              </a:rPr>
+              <a:t>Twarakavi</a:t>
+            </a:r>
+            <a:r>
+              <a:rPr lang="en-US" altLang="en-US" sz="1400" dirty="0">
+                <a:solidFill>
+                  <a:schemeClr val="bg1"/>
+                </a:solidFill>
+              </a:rPr>
+              <a:t> et al. (2008) 7 (2) Vadose Zone Journal</a:t>
             </a:r>
           </a:p>
           <a:p>
             <a:pPr eaLnBrk="1" hangingPunct="1"/>
             <a:r>
-              <a:rPr lang="en-US" altLang="en-US" sz="1400"/>
+              <a:rPr lang="en-US" altLang="en-US" sz="1400" dirty="0">
+                <a:solidFill>
+                  <a:schemeClr val="bg1"/>
+                </a:solidFill>
+              </a:rPr>
               <a:t>Lab experiment:  </a:t>
             </a:r>
             <a:r>
-              <a:rPr lang="en-US" altLang="en-US" sz="1400" b="1"/>
+              <a:rPr lang="en-US" altLang="en-US" sz="1400" b="1" dirty="0" err="1">
+                <a:solidFill>
+                  <a:schemeClr val="bg1"/>
+                </a:solidFill>
+              </a:rPr>
               <a:t>Vauclin</a:t>
             </a:r>
             <a:r>
-              <a:rPr lang="en-US" altLang="en-US" sz="1400"/>
-              <a:t>, D Khanji, G Vachaud - Water Resources Research, 1979 </a:t>
+              <a:rPr lang="en-US" altLang="en-US" sz="1400" dirty="0">
+                <a:solidFill>
+                  <a:schemeClr val="bg1"/>
+                </a:solidFill>
+              </a:rPr>
+              <a:t>, D </a:t>
+            </a:r>
+            <a:r>
+              <a:rPr lang="en-US" altLang="en-US" sz="1400" dirty="0" err="1">
+                <a:solidFill>
+                  <a:schemeClr val="bg1"/>
+                </a:solidFill>
+              </a:rPr>
+              <a:t>Khanji</a:t>
+            </a:r>
+            <a:r>
+              <a:rPr lang="en-US" altLang="en-US" sz="1400" dirty="0">
+                <a:solidFill>
+                  <a:schemeClr val="bg1"/>
+                </a:solidFill>
+              </a:rPr>
+              <a:t>, G </a:t>
+            </a:r>
+            <a:r>
+              <a:rPr lang="en-US" altLang="en-US" sz="1400" dirty="0" err="1">
+                <a:solidFill>
+                  <a:schemeClr val="bg1"/>
+                </a:solidFill>
+              </a:rPr>
+              <a:t>Vachaud</a:t>
+            </a:r>
+            <a:r>
+              <a:rPr lang="en-US" altLang="en-US" sz="1400" dirty="0">
+                <a:solidFill>
+                  <a:schemeClr val="bg1"/>
+                </a:solidFill>
+              </a:rPr>
+              <a:t> - Water Resources Research, 1979 </a:t>
             </a:r>
           </a:p>
         </p:txBody>
@@ -14225,7 +14312,7 @@
           <a:graphicData uri="http://schemas.openxmlformats.org/presentationml/2006/ole">
             <mc:AlternateContent xmlns:mc="http://schemas.openxmlformats.org/markup-compatibility/2006">
               <mc:Choice xmlns:v="urn:schemas-microsoft-com:vml" Requires="v">
-                <p:oleObj spid="_x0000_s46115" name="Equation" r:id="rId4" imgW="1282700" imgH="393700" progId="Equation.3">
+                <p:oleObj spid="_x0000_s46121" name="Equation" r:id="rId4" imgW="1282700" imgH="393700" progId="Equation.3">
                   <p:embed/>
                 </p:oleObj>
               </mc:Choice>
@@ -14456,7 +14543,7 @@
           <a:graphicData uri="http://schemas.openxmlformats.org/presentationml/2006/ole">
             <mc:AlternateContent xmlns:mc="http://schemas.openxmlformats.org/markup-compatibility/2006">
               <mc:Choice xmlns:v="urn:schemas-microsoft-com:vml" Requires="v">
-                <p:oleObj spid="_x0000_s46116" name="Equation" r:id="rId6" imgW="1231366" imgH="393529" progId="Equation.3">
+                <p:oleObj spid="_x0000_s46122" name="Equation" r:id="rId6" imgW="1231366" imgH="393529" progId="Equation.3">
                   <p:embed/>
                 </p:oleObj>
               </mc:Choice>
@@ -14693,7 +14780,7 @@
           <a:graphicData uri="http://schemas.openxmlformats.org/presentationml/2006/ole">
             <mc:AlternateContent xmlns:mc="http://schemas.openxmlformats.org/markup-compatibility/2006">
               <mc:Choice xmlns:v="urn:schemas-microsoft-com:vml" Requires="v">
-                <p:oleObj spid="_x0000_s46117" name="Equation" r:id="rId8" imgW="1651000" imgH="787400" progId="Equation.3">
+                <p:oleObj spid="_x0000_s46123" name="Equation" r:id="rId8" imgW="1651000" imgH="787400" progId="Equation.3">
                   <p:embed/>
                 </p:oleObj>
               </mc:Choice>
@@ -17077,7 +17164,7 @@
           <a:graphicData uri="http://schemas.openxmlformats.org/presentationml/2006/ole">
             <mc:AlternateContent xmlns:mc="http://schemas.openxmlformats.org/markup-compatibility/2006">
               <mc:Choice xmlns:v="urn:schemas-microsoft-com:vml" Requires="v">
-                <p:oleObj spid="_x0000_s47161" name="Equation" r:id="rId5" imgW="1002865" imgH="609336" progId="Equation.3">
+                <p:oleObj spid="_x0000_s47171" name="Equation" r:id="rId5" imgW="1002865" imgH="609336" progId="Equation.3">
                   <p:embed/>
                 </p:oleObj>
               </mc:Choice>
@@ -17160,7 +17247,7 @@
           <a:graphicData uri="http://schemas.openxmlformats.org/presentationml/2006/ole">
             <mc:AlternateContent xmlns:mc="http://schemas.openxmlformats.org/markup-compatibility/2006">
               <mc:Choice xmlns:v="urn:schemas-microsoft-com:vml" Requires="v">
-                <p:oleObj spid="_x0000_s47162" name="Equation" r:id="rId7" imgW="762000" imgH="457200" progId="Equation.3">
+                <p:oleObj spid="_x0000_s47172" name="Equation" r:id="rId7" imgW="762000" imgH="457200" progId="Equation.3">
                   <p:embed/>
                 </p:oleObj>
               </mc:Choice>
@@ -17243,7 +17330,7 @@
           <a:graphicData uri="http://schemas.openxmlformats.org/presentationml/2006/ole">
             <mc:AlternateContent xmlns:mc="http://schemas.openxmlformats.org/markup-compatibility/2006">
               <mc:Choice xmlns:v="urn:schemas-microsoft-com:vml" Requires="v">
-                <p:oleObj spid="_x0000_s47163" name="Equation" r:id="rId9" imgW="1040948" imgH="609336" progId="Equation.3">
+                <p:oleObj spid="_x0000_s47173" name="Equation" r:id="rId9" imgW="1040948" imgH="609336" progId="Equation.3">
                   <p:embed/>
                 </p:oleObj>
               </mc:Choice>
@@ -17474,7 +17561,7 @@
           <a:graphicData uri="http://schemas.openxmlformats.org/presentationml/2006/ole">
             <mc:AlternateContent xmlns:mc="http://schemas.openxmlformats.org/markup-compatibility/2006">
               <mc:Choice xmlns:v="urn:schemas-microsoft-com:vml" Requires="v">
-                <p:oleObj spid="_x0000_s47164" name="Equation" r:id="rId11" imgW="545863" imgH="393529" progId="Equation.3">
+                <p:oleObj spid="_x0000_s47174" name="Equation" r:id="rId11" imgW="545863" imgH="393529" progId="Equation.3">
                   <p:embed/>
                 </p:oleObj>
               </mc:Choice>
@@ -17853,7 +17940,7 @@
           <a:graphicData uri="http://schemas.openxmlformats.org/presentationml/2006/ole">
             <mc:AlternateContent xmlns:mc="http://schemas.openxmlformats.org/markup-compatibility/2006">
               <mc:Choice xmlns:v="urn:schemas-microsoft-com:vml" Requires="v">
-                <p:oleObj spid="_x0000_s47165" name="Equation" r:id="rId13" imgW="1079500" imgH="419100" progId="Equation.3">
+                <p:oleObj spid="_x0000_s47175" name="Equation" r:id="rId13" imgW="1079500" imgH="419100" progId="Equation.3">
                   <p:embed/>
                 </p:oleObj>
               </mc:Choice>
